--- a/Presentation/2 CHENYANG JIANG_record.pptx
+++ b/Presentation/2 CHENYANG JIANG_record.pptx
@@ -201,7 +201,7 @@
           <a:p>
             <a:fld id="{30E34E00-91C5-014E-9953-F80868D57424}" type="datetimeFigureOut">
               <a:rPr lang="en-US" smtClean="0"/>
-              <a:t>10/19/20</a:t>
+              <a:t>10/20/20</a:t>
             </a:fld>
             <a:endParaRPr lang="en-US"/>
           </a:p>
@@ -615,7 +615,7 @@
           <a:p>
             <a:fld id="{4E0FF5E2-BA4C-5649-8A85-E0F83A696451}" type="datetimeFigureOut">
               <a:rPr lang="en-US" smtClean="0"/>
-              <a:t>10/19/20</a:t>
+              <a:t>10/20/20</a:t>
             </a:fld>
             <a:endParaRPr lang="en-US"/>
           </a:p>
@@ -813,7 +813,7 @@
           <a:p>
             <a:fld id="{4E0FF5E2-BA4C-5649-8A85-E0F83A696451}" type="datetimeFigureOut">
               <a:rPr lang="en-US" smtClean="0"/>
-              <a:t>10/19/20</a:t>
+              <a:t>10/20/20</a:t>
             </a:fld>
             <a:endParaRPr lang="en-US"/>
           </a:p>
@@ -1021,7 +1021,7 @@
           <a:p>
             <a:fld id="{4E0FF5E2-BA4C-5649-8A85-E0F83A696451}" type="datetimeFigureOut">
               <a:rPr lang="en-US" smtClean="0"/>
-              <a:t>10/19/20</a:t>
+              <a:t>10/20/20</a:t>
             </a:fld>
             <a:endParaRPr lang="en-US"/>
           </a:p>
@@ -1219,7 +1219,7 @@
           <a:p>
             <a:fld id="{4E0FF5E2-BA4C-5649-8A85-E0F83A696451}" type="datetimeFigureOut">
               <a:rPr lang="en-US" smtClean="0"/>
-              <a:t>10/19/20</a:t>
+              <a:t>10/20/20</a:t>
             </a:fld>
             <a:endParaRPr lang="en-US"/>
           </a:p>
@@ -1494,7 +1494,7 @@
           <a:p>
             <a:fld id="{4E0FF5E2-BA4C-5649-8A85-E0F83A696451}" type="datetimeFigureOut">
               <a:rPr lang="en-US" smtClean="0"/>
-              <a:t>10/19/20</a:t>
+              <a:t>10/20/20</a:t>
             </a:fld>
             <a:endParaRPr lang="en-US"/>
           </a:p>
@@ -1759,7 +1759,7 @@
           <a:p>
             <a:fld id="{4E0FF5E2-BA4C-5649-8A85-E0F83A696451}" type="datetimeFigureOut">
               <a:rPr lang="en-US" smtClean="0"/>
-              <a:t>10/19/20</a:t>
+              <a:t>10/20/20</a:t>
             </a:fld>
             <a:endParaRPr lang="en-US"/>
           </a:p>
@@ -2171,7 +2171,7 @@
           <a:p>
             <a:fld id="{4E0FF5E2-BA4C-5649-8A85-E0F83A696451}" type="datetimeFigureOut">
               <a:rPr lang="en-US" smtClean="0"/>
-              <a:t>10/19/20</a:t>
+              <a:t>10/20/20</a:t>
             </a:fld>
             <a:endParaRPr lang="en-US"/>
           </a:p>
@@ -2312,7 +2312,7 @@
           <a:p>
             <a:fld id="{4E0FF5E2-BA4C-5649-8A85-E0F83A696451}" type="datetimeFigureOut">
               <a:rPr lang="en-US" smtClean="0"/>
-              <a:t>10/19/20</a:t>
+              <a:t>10/20/20</a:t>
             </a:fld>
             <a:endParaRPr lang="en-US"/>
           </a:p>
@@ -2425,7 +2425,7 @@
           <a:p>
             <a:fld id="{4E0FF5E2-BA4C-5649-8A85-E0F83A696451}" type="datetimeFigureOut">
               <a:rPr lang="en-US" smtClean="0"/>
-              <a:t>10/19/20</a:t>
+              <a:t>10/20/20</a:t>
             </a:fld>
             <a:endParaRPr lang="en-US"/>
           </a:p>
@@ -2736,7 +2736,7 @@
           <a:p>
             <a:fld id="{4E0FF5E2-BA4C-5649-8A85-E0F83A696451}" type="datetimeFigureOut">
               <a:rPr lang="en-US" smtClean="0"/>
-              <a:t>10/19/20</a:t>
+              <a:t>10/20/20</a:t>
             </a:fld>
             <a:endParaRPr lang="en-US"/>
           </a:p>
@@ -3024,7 +3024,7 @@
           <a:p>
             <a:fld id="{4E0FF5E2-BA4C-5649-8A85-E0F83A696451}" type="datetimeFigureOut">
               <a:rPr lang="en-US" smtClean="0"/>
-              <a:t>10/19/20</a:t>
+              <a:t>10/20/20</a:t>
             </a:fld>
             <a:endParaRPr lang="en-US"/>
           </a:p>
@@ -3265,7 +3265,7 @@
           <a:p>
             <a:fld id="{4E0FF5E2-BA4C-5649-8A85-E0F83A696451}" type="datetimeFigureOut">
               <a:rPr lang="en-US" smtClean="0"/>
-              <a:t>10/19/20</a:t>
+              <a:t>10/20/20</a:t>
             </a:fld>
             <a:endParaRPr lang="en-US"/>
           </a:p>
@@ -4728,7 +4728,7 @@
               </p:nextCondLst>
             </p:seq>
             <p:audio isNarration="1">
-              <p:cMediaNode vol="80000" showWhenStopped="0">
+              <p:cMediaNode vol="100000" showWhenStopped="0">
                 <p:cTn id="7" fill="hold" display="0">
                   <p:stCondLst>
                     <p:cond delay="indefinite"/>
@@ -5907,7 +5907,7 @@
               </p:nextCondLst>
             </p:seq>
             <p:audio isNarration="1">
-              <p:cMediaNode vol="80000" showWhenStopped="0">
+              <p:cMediaNode vol="100000" showWhenStopped="0">
                 <p:cTn id="7" fill="hold" display="0">
                   <p:stCondLst>
                     <p:cond delay="indefinite"/>
@@ -7042,7 +7042,7 @@
               </p:nextCondLst>
             </p:seq>
             <p:audio isNarration="1">
-              <p:cMediaNode vol="80000" showWhenStopped="0">
+              <p:cMediaNode vol="100000" showWhenStopped="0">
                 <p:cTn id="7" fill="hold" display="0">
                   <p:stCondLst>
                     <p:cond delay="indefinite"/>
@@ -8268,7 +8268,7 @@
               </p:nextCondLst>
             </p:seq>
             <p:audio isNarration="1">
-              <p:cMediaNode vol="80000" showWhenStopped="0">
+              <p:cMediaNode vol="100000" showWhenStopped="0">
                 <p:cTn id="7" fill="hold" display="0">
                   <p:stCondLst>
                     <p:cond delay="indefinite"/>
@@ -8899,7 +8899,7 @@
               </p:nextCondLst>
             </p:seq>
             <p:audio isNarration="1">
-              <p:cMediaNode vol="80000" showWhenStopped="0">
+              <p:cMediaNode vol="100000" showWhenStopped="0">
                 <p:cTn id="7" fill="hold" display="0">
                   <p:stCondLst>
                     <p:cond delay="indefinite"/>
